--- a/Examples/Data/Charts/DisplayChartLabels_out.pptx
+++ b/Examples/Data/Charts/DisplayChartLabels_out.pptx
@@ -1,6 +1,6 @@
 
 <file path=ppt/presentation.xml><?xml version="1.0" encoding="utf-8"?>
-<!--Generated by Aspose.Slides for .NET 19.6-->
+<!--Generated by Aspose.Slides for .NET 21.12-->
 <p:presentation xmlns:r="http://schemas.openxmlformats.org/officeDocument/2006/relationships" xmlns:a="http://schemas.openxmlformats.org/drawingml/2006/main" xmlns:p="http://schemas.openxmlformats.org/presentationml/2006/main" saveSubsetFonts="1">
   <p:sldMasterIdLst>
     <p:sldMasterId id="2147483648" r:id="rId1"/>
@@ -112,7 +112,7 @@
 </file>
 
 <file path=ppt/charts/chart1.xml><?xml version="1.0" encoding="utf-8"?>
-<c:chartSpace xmlns:a="http://schemas.openxmlformats.org/drawingml/2006/main" xmlns:r="http://schemas.openxmlformats.org/officeDocument/2006/relationships" xmlns:c="http://schemas.openxmlformats.org/drawingml/2006/chart">
+<c:chartSpace xmlns:a="http://schemas.openxmlformats.org/drawingml/2006/main" xmlns:r="http://schemas.openxmlformats.org/officeDocument/2006/relationships" xmlns:m="http://schemas.openxmlformats.org/officeDocument/2006/math" xmlns:w="http://schemas.openxmlformats.org/wordprocessingml/2006/main" xmlns:wp="http://schemas.openxmlformats.org/drawingml/2006/wordprocessingDrawing" xmlns:a14="http://schemas.microsoft.com/office/drawing/2010/main" xmlns:c="http://schemas.openxmlformats.org/drawingml/2006/chart">
   <c:date1904 val="0"/>
   <c:lang val="ru-RU"/>
   <c:roundedCorners val="0"/>
@@ -149,15 +149,21 @@
           <c:dLbls>
             <c:dLbl>
               <c:idx val="2"/>
+              <c:txPr>
+                <a:bodyPr/>
+                <a:p>
+                  <a:pPr>
+                    <a:defRPr/>
+                  </a:pPr>
+                </a:p>
+              </c:txPr>
               <c:showLegendKey val="0"/>
               <c:showVal val="1"/>
               <c:showCatName val="0"/>
               <c:showSerName val="0"/>
               <c:showPercent val="0"/>
               <c:showBubbleSize val="0"/>
-              <c:extLst>
-                <c:ext xmlns:c15="http://schemas.microsoft.com/office/drawing/2012/chart" uri="{CE6537A1-D6FC-4f65-9D91-7224C49458BB}"/>
-              </c:extLst>
+              <c:extLst/>
             </c:dLbl>
             <c:showLegendKey val="0"/>
             <c:showVal val="1"/>
@@ -169,7 +175,9 @@
             <c:extLst>
               <c:ext xmlns:c15="http://schemas.microsoft.com/office/drawing/2012/chart" uri="{CE6537A1-D6FC-4f65-9D91-7224C49458BB}">
                 <c15:spPr>
-                  <a:prstGeom prst="wedgeRectCallout"/>
+                  <a:prstGeom prst="wedgeRectCallout">
+                    <a:avLst/>
+                  </a:prstGeom>
                 </c15:spPr>
               </c:ext>
             </c:extLst>
@@ -250,11 +258,11 @@
 </file>
 
 <file path=ppt/slideLayouts/slideLayout1.xml><?xml version="1.0" encoding="utf-8"?>
-<p:sldLayout xmlns:a="http://schemas.openxmlformats.org/drawingml/2006/main" xmlns:r="http://schemas.openxmlformats.org/officeDocument/2006/relationships" xmlns:p14="http://schemas.microsoft.com/office/powerpoint/2010/main" xmlns:a14="http://schemas.microsoft.com/office/drawing/2010/main" xmlns:p15="http://schemas.microsoft.com/office/powerpoint/2012/main" xmlns:p159="http://schemas.microsoft.com/office/powerpoint/2015/09/main" xmlns:p="http://schemas.openxmlformats.org/presentationml/2006/main" type="title" preserve="1">
+<p:sldLayout xmlns:a="http://schemas.openxmlformats.org/drawingml/2006/main" xmlns:r="http://schemas.openxmlformats.org/officeDocument/2006/relationships" xmlns:m="http://schemas.openxmlformats.org/officeDocument/2006/math" xmlns:w="http://schemas.openxmlformats.org/wordprocessingml/2006/main" xmlns:wp="http://schemas.openxmlformats.org/drawingml/2006/wordprocessingDrawing" xmlns:a14="http://schemas.microsoft.com/office/drawing/2010/main" xmlns:mc="http://schemas.openxmlformats.org/markup-compatibility/2006" xmlns:p14="http://schemas.microsoft.com/office/powerpoint/2010/main" xmlns:p15="http://schemas.microsoft.com/office/powerpoint/2012/main" xmlns:p159="http://schemas.microsoft.com/office/powerpoint/2015/09/main" xmlns:p="http://schemas.openxmlformats.org/presentationml/2006/main" type="title" preserve="1">
   <p:cSld name="Title Slide">
     <p:spTree>
       <p:nvGrpSpPr>
-        <p:cNvPr id="1" name=""/>
+        <p:cNvPr id="1" name="" title=""/>
         <p:cNvGrpSpPr/>
         <p:nvPr/>
       </p:nvGrpSpPr>
@@ -266,7 +274,7 @@
       </p:grpSpPr>
       <p:sp>
         <p:nvSpPr>
-          <p:cNvPr id="2" name="Title 1"/>
+          <p:cNvPr id="2" name="Title 1" title=""/>
           <p:cNvSpPr>
             <a:spLocks noGrp="1"/>
           </p:cNvSpPr>
@@ -289,7 +297,7 @@
       </p:sp>
       <p:sp>
         <p:nvSpPr>
-          <p:cNvPr id="3" name="Subtitle 2"/>
+          <p:cNvPr id="3" name="Subtitle 2" title=""/>
           <p:cNvSpPr>
             <a:spLocks noGrp="1"/>
           </p:cNvSpPr>
@@ -403,7 +411,7 @@
       </p:sp>
       <p:sp>
         <p:nvSpPr>
-          <p:cNvPr id="4" name="Date Placeholder 3"/>
+          <p:cNvPr id="4" name="Date Placeholder 3" title=""/>
           <p:cNvSpPr>
             <a:spLocks noGrp="1"/>
           </p:cNvSpPr>
@@ -416,7 +424,7 @@
           <a:bodyPr/>
           <a:lstStyle/>
           <a:p>
-            <a:fld id="{975C8B0B-35F9-4CBE-A74D-D9617E1E86F6}" type="datetimeFigureOut">
+            <a:fld id="{765DE368-D4C5-4803-B094-1CBE891B05E4}" type="datetimeFigureOut">
               <a:rPr lang="en-US" smtClean="0"/>
               <a:t>11/7/2009</a:t>
             </a:fld>
@@ -426,7 +434,7 @@
       </p:sp>
       <p:sp>
         <p:nvSpPr>
-          <p:cNvPr id="5" name="Footer Placeholder 4"/>
+          <p:cNvPr id="5" name="Footer Placeholder 4" title=""/>
           <p:cNvSpPr>
             <a:spLocks noGrp="1"/>
           </p:cNvSpPr>
@@ -445,7 +453,7 @@
       </p:sp>
       <p:sp>
         <p:nvSpPr>
-          <p:cNvPr id="6" name="Slide Number Placeholder 5"/>
+          <p:cNvPr id="6" name="Slide Number Placeholder 5" title=""/>
           <p:cNvSpPr>
             <a:spLocks noGrp="1"/>
           </p:cNvSpPr>
@@ -477,11 +485,11 @@
 </file>
 
 <file path=ppt/slideLayouts/slideLayout10.xml><?xml version="1.0" encoding="utf-8"?>
-<p:sldLayout xmlns:a="http://schemas.openxmlformats.org/drawingml/2006/main" xmlns:r="http://schemas.openxmlformats.org/officeDocument/2006/relationships" xmlns:p14="http://schemas.microsoft.com/office/powerpoint/2010/main" xmlns:a14="http://schemas.microsoft.com/office/drawing/2010/main" xmlns:p15="http://schemas.microsoft.com/office/powerpoint/2012/main" xmlns:p159="http://schemas.microsoft.com/office/powerpoint/2015/09/main" xmlns:p="http://schemas.openxmlformats.org/presentationml/2006/main" type="vertTx" preserve="1">
+<p:sldLayout xmlns:a="http://schemas.openxmlformats.org/drawingml/2006/main" xmlns:r="http://schemas.openxmlformats.org/officeDocument/2006/relationships" xmlns:m="http://schemas.openxmlformats.org/officeDocument/2006/math" xmlns:w="http://schemas.openxmlformats.org/wordprocessingml/2006/main" xmlns:wp="http://schemas.openxmlformats.org/drawingml/2006/wordprocessingDrawing" xmlns:a14="http://schemas.microsoft.com/office/drawing/2010/main" xmlns:mc="http://schemas.openxmlformats.org/markup-compatibility/2006" xmlns:p14="http://schemas.microsoft.com/office/powerpoint/2010/main" xmlns:p15="http://schemas.microsoft.com/office/powerpoint/2012/main" xmlns:p159="http://schemas.microsoft.com/office/powerpoint/2015/09/main" xmlns:p="http://schemas.openxmlformats.org/presentationml/2006/main" type="vertTx" preserve="1">
   <p:cSld name="Title and Vertical Text">
     <p:spTree>
       <p:nvGrpSpPr>
-        <p:cNvPr id="1" name=""/>
+        <p:cNvPr id="1" name="" title=""/>
         <p:cNvGrpSpPr/>
         <p:nvPr/>
       </p:nvGrpSpPr>
@@ -493,7 +501,7 @@
       </p:grpSpPr>
       <p:sp>
         <p:nvSpPr>
-          <p:cNvPr id="2" name="Title 1"/>
+          <p:cNvPr id="2" name="Title 1" title=""/>
           <p:cNvSpPr>
             <a:spLocks noGrp="1"/>
           </p:cNvSpPr>
@@ -516,7 +524,7 @@
       </p:sp>
       <p:sp>
         <p:nvSpPr>
-          <p:cNvPr id="3" name="Vertical Text Placeholder 2"/>
+          <p:cNvPr id="3" name="Vertical Text Placeholder 2" title=""/>
           <p:cNvSpPr>
             <a:spLocks noGrp="1"/>
           </p:cNvSpPr>
@@ -567,7 +575,7 @@
       </p:sp>
       <p:sp>
         <p:nvSpPr>
-          <p:cNvPr id="4" name="Date Placeholder 3"/>
+          <p:cNvPr id="4" name="Date Placeholder 3" title=""/>
           <p:cNvSpPr>
             <a:spLocks noGrp="1"/>
           </p:cNvSpPr>
@@ -580,7 +588,7 @@
           <a:bodyPr/>
           <a:lstStyle/>
           <a:p>
-            <a:fld id="{7C97031D-B686-43DE-BD9A-C52C87B2F56C}" type="datetimeFigureOut">
+            <a:fld id="{3A6BC198-EEDC-4DDF-BAE1-629ECC498F27}" type="datetimeFigureOut">
               <a:rPr lang="en-US" smtClean="0"/>
               <a:t>11/7/2009</a:t>
             </a:fld>
@@ -590,7 +598,7 @@
       </p:sp>
       <p:sp>
         <p:nvSpPr>
-          <p:cNvPr id="5" name="Footer Placeholder 4"/>
+          <p:cNvPr id="5" name="Footer Placeholder 4" title=""/>
           <p:cNvSpPr>
             <a:spLocks noGrp="1"/>
           </p:cNvSpPr>
@@ -609,7 +617,7 @@
       </p:sp>
       <p:sp>
         <p:nvSpPr>
-          <p:cNvPr id="6" name="Slide Number Placeholder 5"/>
+          <p:cNvPr id="6" name="Slide Number Placeholder 5" title=""/>
           <p:cNvSpPr>
             <a:spLocks noGrp="1"/>
           </p:cNvSpPr>
@@ -641,11 +649,11 @@
 </file>
 
 <file path=ppt/slideLayouts/slideLayout11.xml><?xml version="1.0" encoding="utf-8"?>
-<p:sldLayout xmlns:a="http://schemas.openxmlformats.org/drawingml/2006/main" xmlns:r="http://schemas.openxmlformats.org/officeDocument/2006/relationships" xmlns:p14="http://schemas.microsoft.com/office/powerpoint/2010/main" xmlns:a14="http://schemas.microsoft.com/office/drawing/2010/main" xmlns:p15="http://schemas.microsoft.com/office/powerpoint/2012/main" xmlns:p159="http://schemas.microsoft.com/office/powerpoint/2015/09/main" xmlns:p="http://schemas.openxmlformats.org/presentationml/2006/main" type="vertTitleAndTx" preserve="1">
+<p:sldLayout xmlns:a="http://schemas.openxmlformats.org/drawingml/2006/main" xmlns:r="http://schemas.openxmlformats.org/officeDocument/2006/relationships" xmlns:m="http://schemas.openxmlformats.org/officeDocument/2006/math" xmlns:w="http://schemas.openxmlformats.org/wordprocessingml/2006/main" xmlns:wp="http://schemas.openxmlformats.org/drawingml/2006/wordprocessingDrawing" xmlns:a14="http://schemas.microsoft.com/office/drawing/2010/main" xmlns:mc="http://schemas.openxmlformats.org/markup-compatibility/2006" xmlns:p14="http://schemas.microsoft.com/office/powerpoint/2010/main" xmlns:p15="http://schemas.microsoft.com/office/powerpoint/2012/main" xmlns:p159="http://schemas.microsoft.com/office/powerpoint/2015/09/main" xmlns:p="http://schemas.openxmlformats.org/presentationml/2006/main" type="vertTitleAndTx" preserve="1">
   <p:cSld name="Vertical Title and Text">
     <p:spTree>
       <p:nvGrpSpPr>
-        <p:cNvPr id="1" name=""/>
+        <p:cNvPr id="1" name="" title=""/>
         <p:cNvGrpSpPr/>
         <p:nvPr/>
       </p:nvGrpSpPr>
@@ -657,7 +665,7 @@
       </p:grpSpPr>
       <p:sp>
         <p:nvSpPr>
-          <p:cNvPr id="2" name="Vertical Title 1"/>
+          <p:cNvPr id="2" name="Vertical Title 1" title=""/>
           <p:cNvSpPr>
             <a:spLocks noGrp="1"/>
           </p:cNvSpPr>
@@ -680,7 +688,7 @@
       </p:sp>
       <p:sp>
         <p:nvSpPr>
-          <p:cNvPr id="3" name="Vertical Text Placeholder 2"/>
+          <p:cNvPr id="3" name="Vertical Text Placeholder 2" title=""/>
           <p:cNvSpPr>
             <a:spLocks noGrp="1"/>
           </p:cNvSpPr>
@@ -731,7 +739,7 @@
       </p:sp>
       <p:sp>
         <p:nvSpPr>
-          <p:cNvPr id="4" name="Date Placeholder 3"/>
+          <p:cNvPr id="4" name="Date Placeholder 3" title=""/>
           <p:cNvSpPr>
             <a:spLocks noGrp="1"/>
           </p:cNvSpPr>
@@ -744,7 +752,7 @@
           <a:bodyPr/>
           <a:lstStyle/>
           <a:p>
-            <a:fld id="{BB195F52-DE7C-4D95-816C-9634DC5D583B}" type="datetimeFigureOut">
+            <a:fld id="{4FBE31C1-799C-461F-8E6D-F66A8A06E91A}" type="datetimeFigureOut">
               <a:rPr lang="en-US" smtClean="0"/>
               <a:t>11/7/2009</a:t>
             </a:fld>
@@ -754,7 +762,7 @@
       </p:sp>
       <p:sp>
         <p:nvSpPr>
-          <p:cNvPr id="5" name="Footer Placeholder 4"/>
+          <p:cNvPr id="5" name="Footer Placeholder 4" title=""/>
           <p:cNvSpPr>
             <a:spLocks noGrp="1"/>
           </p:cNvSpPr>
@@ -773,7 +781,7 @@
       </p:sp>
       <p:sp>
         <p:nvSpPr>
-          <p:cNvPr id="6" name="Slide Number Placeholder 5"/>
+          <p:cNvPr id="6" name="Slide Number Placeholder 5" title=""/>
           <p:cNvSpPr>
             <a:spLocks noGrp="1"/>
           </p:cNvSpPr>
@@ -805,11 +813,11 @@
 </file>
 
 <file path=ppt/slideLayouts/slideLayout2.xml><?xml version="1.0" encoding="utf-8"?>
-<p:sldLayout xmlns:a="http://schemas.openxmlformats.org/drawingml/2006/main" xmlns:r="http://schemas.openxmlformats.org/officeDocument/2006/relationships" xmlns:p14="http://schemas.microsoft.com/office/powerpoint/2010/main" xmlns:a14="http://schemas.microsoft.com/office/drawing/2010/main" xmlns:p15="http://schemas.microsoft.com/office/powerpoint/2012/main" xmlns:p159="http://schemas.microsoft.com/office/powerpoint/2015/09/main" xmlns:p="http://schemas.openxmlformats.org/presentationml/2006/main" type="obj" preserve="1">
+<p:sldLayout xmlns:a="http://schemas.openxmlformats.org/drawingml/2006/main" xmlns:r="http://schemas.openxmlformats.org/officeDocument/2006/relationships" xmlns:m="http://schemas.openxmlformats.org/officeDocument/2006/math" xmlns:w="http://schemas.openxmlformats.org/wordprocessingml/2006/main" xmlns:wp="http://schemas.openxmlformats.org/drawingml/2006/wordprocessingDrawing" xmlns:a14="http://schemas.microsoft.com/office/drawing/2010/main" xmlns:mc="http://schemas.openxmlformats.org/markup-compatibility/2006" xmlns:p14="http://schemas.microsoft.com/office/powerpoint/2010/main" xmlns:p15="http://schemas.microsoft.com/office/powerpoint/2012/main" xmlns:p159="http://schemas.microsoft.com/office/powerpoint/2015/09/main" xmlns:p="http://schemas.openxmlformats.org/presentationml/2006/main" type="obj" preserve="1">
   <p:cSld name="Title and Content">
     <p:spTree>
       <p:nvGrpSpPr>
-        <p:cNvPr id="1" name=""/>
+        <p:cNvPr id="1" name="" title=""/>
         <p:cNvGrpSpPr/>
         <p:nvPr/>
       </p:nvGrpSpPr>
@@ -821,7 +829,7 @@
       </p:grpSpPr>
       <p:sp>
         <p:nvSpPr>
-          <p:cNvPr id="2" name="Title 1"/>
+          <p:cNvPr id="2" name="Title 1" title=""/>
           <p:cNvSpPr>
             <a:spLocks noGrp="1"/>
           </p:cNvSpPr>
@@ -844,7 +852,7 @@
       </p:sp>
       <p:sp>
         <p:nvSpPr>
-          <p:cNvPr id="3" name="Content Placeholder 2"/>
+          <p:cNvPr id="3" name="Content Placeholder 2" title=""/>
           <p:cNvSpPr>
             <a:spLocks noGrp="1"/>
           </p:cNvSpPr>
@@ -895,7 +903,7 @@
       </p:sp>
       <p:sp>
         <p:nvSpPr>
-          <p:cNvPr id="4" name="Date Placeholder 3"/>
+          <p:cNvPr id="4" name="Date Placeholder 3" title=""/>
           <p:cNvSpPr>
             <a:spLocks noGrp="1"/>
           </p:cNvSpPr>
@@ -908,7 +916,7 @@
           <a:bodyPr/>
           <a:lstStyle/>
           <a:p>
-            <a:fld id="{3C017937-A19E-4CAE-804A-D089D37DA1C6}" type="datetimeFigureOut">
+            <a:fld id="{BDCACD73-E687-4B30-9040-E59FBC1258A0}" type="datetimeFigureOut">
               <a:rPr lang="en-US" smtClean="0"/>
               <a:t>11/7/2009</a:t>
             </a:fld>
@@ -918,7 +926,7 @@
       </p:sp>
       <p:sp>
         <p:nvSpPr>
-          <p:cNvPr id="5" name="Footer Placeholder 4"/>
+          <p:cNvPr id="5" name="Footer Placeholder 4" title=""/>
           <p:cNvSpPr>
             <a:spLocks noGrp="1"/>
           </p:cNvSpPr>
@@ -937,7 +945,7 @@
       </p:sp>
       <p:sp>
         <p:nvSpPr>
-          <p:cNvPr id="6" name="Slide Number Placeholder 5"/>
+          <p:cNvPr id="6" name="Slide Number Placeholder 5" title=""/>
           <p:cNvSpPr>
             <a:spLocks noGrp="1"/>
           </p:cNvSpPr>
@@ -969,11 +977,11 @@
 </file>
 
 <file path=ppt/slideLayouts/slideLayout3.xml><?xml version="1.0" encoding="utf-8"?>
-<p:sldLayout xmlns:a="http://schemas.openxmlformats.org/drawingml/2006/main" xmlns:r="http://schemas.openxmlformats.org/officeDocument/2006/relationships" xmlns:p14="http://schemas.microsoft.com/office/powerpoint/2010/main" xmlns:a14="http://schemas.microsoft.com/office/drawing/2010/main" xmlns:p15="http://schemas.microsoft.com/office/powerpoint/2012/main" xmlns:p159="http://schemas.microsoft.com/office/powerpoint/2015/09/main" xmlns:p="http://schemas.openxmlformats.org/presentationml/2006/main" type="secHead" preserve="1">
+<p:sldLayout xmlns:a="http://schemas.openxmlformats.org/drawingml/2006/main" xmlns:r="http://schemas.openxmlformats.org/officeDocument/2006/relationships" xmlns:m="http://schemas.openxmlformats.org/officeDocument/2006/math" xmlns:w="http://schemas.openxmlformats.org/wordprocessingml/2006/main" xmlns:wp="http://schemas.openxmlformats.org/drawingml/2006/wordprocessingDrawing" xmlns:a14="http://schemas.microsoft.com/office/drawing/2010/main" xmlns:mc="http://schemas.openxmlformats.org/markup-compatibility/2006" xmlns:p14="http://schemas.microsoft.com/office/powerpoint/2010/main" xmlns:p15="http://schemas.microsoft.com/office/powerpoint/2012/main" xmlns:p159="http://schemas.microsoft.com/office/powerpoint/2015/09/main" xmlns:p="http://schemas.openxmlformats.org/presentationml/2006/main" type="secHead" preserve="1">
   <p:cSld name="Section Header">
     <p:spTree>
       <p:nvGrpSpPr>
-        <p:cNvPr id="1" name=""/>
+        <p:cNvPr id="1" name="" title=""/>
         <p:cNvGrpSpPr/>
         <p:nvPr/>
       </p:nvGrpSpPr>
@@ -985,7 +993,7 @@
       </p:grpSpPr>
       <p:sp>
         <p:nvSpPr>
-          <p:cNvPr id="2" name="Title 1"/>
+          <p:cNvPr id="2" name="Title 1" title=""/>
           <p:cNvSpPr>
             <a:spLocks noGrp="1"/>
           </p:cNvSpPr>
@@ -1012,7 +1020,7 @@
       </p:sp>
       <p:sp>
         <p:nvSpPr>
-          <p:cNvPr id="3" name="Text Placeholder 2"/>
+          <p:cNvPr id="3" name="Text Placeholder 2" title=""/>
           <p:cNvSpPr>
             <a:spLocks noGrp="1"/>
           </p:cNvSpPr>
@@ -1125,7 +1133,7 @@
       </p:sp>
       <p:sp>
         <p:nvSpPr>
-          <p:cNvPr id="4" name="Date Placeholder 3"/>
+          <p:cNvPr id="4" name="Date Placeholder 3" title=""/>
           <p:cNvSpPr>
             <a:spLocks noGrp="1"/>
           </p:cNvSpPr>
@@ -1138,7 +1146,7 @@
           <a:bodyPr/>
           <a:lstStyle/>
           <a:p>
-            <a:fld id="{D638FB69-CB76-4211-AFEF-2D0694EF3D91}" type="datetimeFigureOut">
+            <a:fld id="{8A257B9D-B58D-4E1F-8419-2F6983BD4F20}" type="datetimeFigureOut">
               <a:rPr lang="en-US" smtClean="0"/>
               <a:t>11/7/2009</a:t>
             </a:fld>
@@ -1148,7 +1156,7 @@
       </p:sp>
       <p:sp>
         <p:nvSpPr>
-          <p:cNvPr id="5" name="Footer Placeholder 4"/>
+          <p:cNvPr id="5" name="Footer Placeholder 4" title=""/>
           <p:cNvSpPr>
             <a:spLocks noGrp="1"/>
           </p:cNvSpPr>
@@ -1167,7 +1175,7 @@
       </p:sp>
       <p:sp>
         <p:nvSpPr>
-          <p:cNvPr id="6" name="Slide Number Placeholder 5"/>
+          <p:cNvPr id="6" name="Slide Number Placeholder 5" title=""/>
           <p:cNvSpPr>
             <a:spLocks noGrp="1"/>
           </p:cNvSpPr>
@@ -1199,11 +1207,11 @@
 </file>
 
 <file path=ppt/slideLayouts/slideLayout4.xml><?xml version="1.0" encoding="utf-8"?>
-<p:sldLayout xmlns:a="http://schemas.openxmlformats.org/drawingml/2006/main" xmlns:r="http://schemas.openxmlformats.org/officeDocument/2006/relationships" xmlns:p14="http://schemas.microsoft.com/office/powerpoint/2010/main" xmlns:a14="http://schemas.microsoft.com/office/drawing/2010/main" xmlns:p15="http://schemas.microsoft.com/office/powerpoint/2012/main" xmlns:p159="http://schemas.microsoft.com/office/powerpoint/2015/09/main" xmlns:p="http://schemas.openxmlformats.org/presentationml/2006/main" type="twoObj" preserve="1">
+<p:sldLayout xmlns:a="http://schemas.openxmlformats.org/drawingml/2006/main" xmlns:r="http://schemas.openxmlformats.org/officeDocument/2006/relationships" xmlns:m="http://schemas.openxmlformats.org/officeDocument/2006/math" xmlns:w="http://schemas.openxmlformats.org/wordprocessingml/2006/main" xmlns:wp="http://schemas.openxmlformats.org/drawingml/2006/wordprocessingDrawing" xmlns:a14="http://schemas.microsoft.com/office/drawing/2010/main" xmlns:mc="http://schemas.openxmlformats.org/markup-compatibility/2006" xmlns:p14="http://schemas.microsoft.com/office/powerpoint/2010/main" xmlns:p15="http://schemas.microsoft.com/office/powerpoint/2012/main" xmlns:p159="http://schemas.microsoft.com/office/powerpoint/2015/09/main" xmlns:p="http://schemas.openxmlformats.org/presentationml/2006/main" type="twoObj" preserve="1">
   <p:cSld name="Two Content">
     <p:spTree>
       <p:nvGrpSpPr>
-        <p:cNvPr id="1" name=""/>
+        <p:cNvPr id="1" name="" title=""/>
         <p:cNvGrpSpPr/>
         <p:nvPr/>
       </p:nvGrpSpPr>
@@ -1215,7 +1223,7 @@
       </p:grpSpPr>
       <p:sp>
         <p:nvSpPr>
-          <p:cNvPr id="2" name="Title 1"/>
+          <p:cNvPr id="2" name="Title 1" title=""/>
           <p:cNvSpPr>
             <a:spLocks noGrp="1"/>
           </p:cNvSpPr>
@@ -1238,7 +1246,7 @@
       </p:sp>
       <p:sp>
         <p:nvSpPr>
-          <p:cNvPr id="3" name="Content Placeholder 2"/>
+          <p:cNvPr id="3" name="Content Placeholder 2" title=""/>
           <p:cNvSpPr>
             <a:spLocks noGrp="1"/>
           </p:cNvSpPr>
@@ -1317,7 +1325,7 @@
       </p:sp>
       <p:sp>
         <p:nvSpPr>
-          <p:cNvPr id="4" name="Content Placeholder 3"/>
+          <p:cNvPr id="4" name="Content Placeholder 3" title=""/>
           <p:cNvSpPr>
             <a:spLocks noGrp="1"/>
           </p:cNvSpPr>
@@ -1396,7 +1404,7 @@
       </p:sp>
       <p:sp>
         <p:nvSpPr>
-          <p:cNvPr id="5" name="Date Placeholder 4"/>
+          <p:cNvPr id="5" name="Date Placeholder 4" title=""/>
           <p:cNvSpPr>
             <a:spLocks noGrp="1"/>
           </p:cNvSpPr>
@@ -1409,7 +1417,7 @@
           <a:bodyPr/>
           <a:lstStyle/>
           <a:p>
-            <a:fld id="{64EAF28B-EBC8-4E64-8E45-BB600F8D4DD8}" type="datetimeFigureOut">
+            <a:fld id="{C3BBB738-20F9-48CC-B814-E50AFFD92EC1}" type="datetimeFigureOut">
               <a:rPr lang="en-US" smtClean="0"/>
               <a:t>11/7/2009</a:t>
             </a:fld>
@@ -1419,7 +1427,7 @@
       </p:sp>
       <p:sp>
         <p:nvSpPr>
-          <p:cNvPr id="6" name="Footer Placeholder 5"/>
+          <p:cNvPr id="6" name="Footer Placeholder 5" title=""/>
           <p:cNvSpPr>
             <a:spLocks noGrp="1"/>
           </p:cNvSpPr>
@@ -1438,7 +1446,7 @@
       </p:sp>
       <p:sp>
         <p:nvSpPr>
-          <p:cNvPr id="7" name="Slide Number Placeholder 6"/>
+          <p:cNvPr id="7" name="Slide Number Placeholder 6" title=""/>
           <p:cNvSpPr>
             <a:spLocks noGrp="1"/>
           </p:cNvSpPr>
@@ -1470,11 +1478,11 @@
 </file>
 
 <file path=ppt/slideLayouts/slideLayout5.xml><?xml version="1.0" encoding="utf-8"?>
-<p:sldLayout xmlns:a="http://schemas.openxmlformats.org/drawingml/2006/main" xmlns:r="http://schemas.openxmlformats.org/officeDocument/2006/relationships" xmlns:p14="http://schemas.microsoft.com/office/powerpoint/2010/main" xmlns:a14="http://schemas.microsoft.com/office/drawing/2010/main" xmlns:p15="http://schemas.microsoft.com/office/powerpoint/2012/main" xmlns:p159="http://schemas.microsoft.com/office/powerpoint/2015/09/main" xmlns:p="http://schemas.openxmlformats.org/presentationml/2006/main" type="twoTxTwoObj" preserve="1">
+<p:sldLayout xmlns:a="http://schemas.openxmlformats.org/drawingml/2006/main" xmlns:r="http://schemas.openxmlformats.org/officeDocument/2006/relationships" xmlns:m="http://schemas.openxmlformats.org/officeDocument/2006/math" xmlns:w="http://schemas.openxmlformats.org/wordprocessingml/2006/main" xmlns:wp="http://schemas.openxmlformats.org/drawingml/2006/wordprocessingDrawing" xmlns:a14="http://schemas.microsoft.com/office/drawing/2010/main" xmlns:mc="http://schemas.openxmlformats.org/markup-compatibility/2006" xmlns:p14="http://schemas.microsoft.com/office/powerpoint/2010/main" xmlns:p15="http://schemas.microsoft.com/office/powerpoint/2012/main" xmlns:p159="http://schemas.microsoft.com/office/powerpoint/2015/09/main" xmlns:p="http://schemas.openxmlformats.org/presentationml/2006/main" type="twoTxTwoObj" preserve="1">
   <p:cSld name="Comparison">
     <p:spTree>
       <p:nvGrpSpPr>
-        <p:cNvPr id="1" name=""/>
+        <p:cNvPr id="1" name="" title=""/>
         <p:cNvGrpSpPr/>
         <p:nvPr/>
       </p:nvGrpSpPr>
@@ -1486,7 +1494,7 @@
       </p:grpSpPr>
       <p:sp>
         <p:nvSpPr>
-          <p:cNvPr id="2" name="Title 1"/>
+          <p:cNvPr id="2" name="Title 1" title=""/>
           <p:cNvSpPr>
             <a:spLocks noGrp="1"/>
           </p:cNvSpPr>
@@ -1509,7 +1517,7 @@
       </p:sp>
       <p:sp>
         <p:nvSpPr>
-          <p:cNvPr id="3" name="Text Placeholder 2"/>
+          <p:cNvPr id="3" name="Text Placeholder 2" title=""/>
           <p:cNvSpPr>
             <a:spLocks noGrp="1"/>
           </p:cNvSpPr>
@@ -1568,7 +1576,7 @@
       </p:sp>
       <p:sp>
         <p:nvSpPr>
-          <p:cNvPr id="4" name="Content Placeholder 3"/>
+          <p:cNvPr id="4" name="Content Placeholder 3" title=""/>
           <p:cNvSpPr>
             <a:spLocks noGrp="1"/>
           </p:cNvSpPr>
@@ -1647,7 +1655,7 @@
       </p:sp>
       <p:sp>
         <p:nvSpPr>
-          <p:cNvPr id="5" name="Text Placeholder 4"/>
+          <p:cNvPr id="5" name="Text Placeholder 4" title=""/>
           <p:cNvSpPr>
             <a:spLocks noGrp="1"/>
           </p:cNvSpPr>
@@ -1706,7 +1714,7 @@
       </p:sp>
       <p:sp>
         <p:nvSpPr>
-          <p:cNvPr id="6" name="Content Placeholder 5"/>
+          <p:cNvPr id="6" name="Content Placeholder 5" title=""/>
           <p:cNvSpPr>
             <a:spLocks noGrp="1"/>
           </p:cNvSpPr>
@@ -1785,7 +1793,7 @@
       </p:sp>
       <p:sp>
         <p:nvSpPr>
-          <p:cNvPr id="7" name="Date Placeholder 6"/>
+          <p:cNvPr id="7" name="Date Placeholder 6" title=""/>
           <p:cNvSpPr>
             <a:spLocks noGrp="1"/>
           </p:cNvSpPr>
@@ -1798,7 +1806,7 @@
           <a:bodyPr/>
           <a:lstStyle/>
           <a:p>
-            <a:fld id="{10F3B7F4-285A-447A-9920-6588DE2069AF}" type="datetimeFigureOut">
+            <a:fld id="{3A509371-32AE-4F74-9656-B08D6B2530D5}" type="datetimeFigureOut">
               <a:rPr lang="en-US" smtClean="0"/>
               <a:t>11/7/2009</a:t>
             </a:fld>
@@ -1808,7 +1816,7 @@
       </p:sp>
       <p:sp>
         <p:nvSpPr>
-          <p:cNvPr id="8" name="Footer Placeholder 7"/>
+          <p:cNvPr id="8" name="Footer Placeholder 7" title=""/>
           <p:cNvSpPr>
             <a:spLocks noGrp="1"/>
           </p:cNvSpPr>
@@ -1827,7 +1835,7 @@
       </p:sp>
       <p:sp>
         <p:nvSpPr>
-          <p:cNvPr id="9" name="Slide Number Placeholder 8"/>
+          <p:cNvPr id="9" name="Slide Number Placeholder 8" title=""/>
           <p:cNvSpPr>
             <a:spLocks noGrp="1"/>
           </p:cNvSpPr>
@@ -1859,11 +1867,11 @@
 </file>
 
 <file path=ppt/slideLayouts/slideLayout6.xml><?xml version="1.0" encoding="utf-8"?>
-<p:sldLayout xmlns:a="http://schemas.openxmlformats.org/drawingml/2006/main" xmlns:r="http://schemas.openxmlformats.org/officeDocument/2006/relationships" xmlns:p14="http://schemas.microsoft.com/office/powerpoint/2010/main" xmlns:a14="http://schemas.microsoft.com/office/drawing/2010/main" xmlns:p15="http://schemas.microsoft.com/office/powerpoint/2012/main" xmlns:p159="http://schemas.microsoft.com/office/powerpoint/2015/09/main" xmlns:p="http://schemas.openxmlformats.org/presentationml/2006/main" type="titleOnly" preserve="1">
+<p:sldLayout xmlns:a="http://schemas.openxmlformats.org/drawingml/2006/main" xmlns:r="http://schemas.openxmlformats.org/officeDocument/2006/relationships" xmlns:m="http://schemas.openxmlformats.org/officeDocument/2006/math" xmlns:w="http://schemas.openxmlformats.org/wordprocessingml/2006/main" xmlns:wp="http://schemas.openxmlformats.org/drawingml/2006/wordprocessingDrawing" xmlns:a14="http://schemas.microsoft.com/office/drawing/2010/main" xmlns:mc="http://schemas.openxmlformats.org/markup-compatibility/2006" xmlns:p14="http://schemas.microsoft.com/office/powerpoint/2010/main" xmlns:p15="http://schemas.microsoft.com/office/powerpoint/2012/main" xmlns:p159="http://schemas.microsoft.com/office/powerpoint/2015/09/main" xmlns:p="http://schemas.openxmlformats.org/presentationml/2006/main" type="titleOnly" preserve="1">
   <p:cSld name="Title Only">
     <p:spTree>
       <p:nvGrpSpPr>
-        <p:cNvPr id="1" name=""/>
+        <p:cNvPr id="1" name="" title=""/>
         <p:cNvGrpSpPr/>
         <p:nvPr/>
       </p:nvGrpSpPr>
@@ -1875,7 +1883,7 @@
       </p:grpSpPr>
       <p:sp>
         <p:nvSpPr>
-          <p:cNvPr id="2" name="Title 1"/>
+          <p:cNvPr id="2" name="Title 1" title=""/>
           <p:cNvSpPr>
             <a:spLocks noGrp="1"/>
           </p:cNvSpPr>
@@ -1898,7 +1906,7 @@
       </p:sp>
       <p:sp>
         <p:nvSpPr>
-          <p:cNvPr id="3" name="Date Placeholder 2"/>
+          <p:cNvPr id="3" name="Date Placeholder 2" title=""/>
           <p:cNvSpPr>
             <a:spLocks noGrp="1"/>
           </p:cNvSpPr>
@@ -1911,7 +1919,7 @@
           <a:bodyPr/>
           <a:lstStyle/>
           <a:p>
-            <a:fld id="{EB5A7D7B-99BD-47F0-BE05-50A7EBD4688F}" type="datetimeFigureOut">
+            <a:fld id="{CAB680AD-E6FF-4526-92C6-EC3BB3FFC400}" type="datetimeFigureOut">
               <a:rPr lang="en-US" smtClean="0"/>
               <a:t>11/7/2009</a:t>
             </a:fld>
@@ -1921,7 +1929,7 @@
       </p:sp>
       <p:sp>
         <p:nvSpPr>
-          <p:cNvPr id="4" name="Footer Placeholder 3"/>
+          <p:cNvPr id="4" name="Footer Placeholder 3" title=""/>
           <p:cNvSpPr>
             <a:spLocks noGrp="1"/>
           </p:cNvSpPr>
@@ -1940,7 +1948,7 @@
       </p:sp>
       <p:sp>
         <p:nvSpPr>
-          <p:cNvPr id="5" name="Slide Number Placeholder 4"/>
+          <p:cNvPr id="5" name="Slide Number Placeholder 4" title=""/>
           <p:cNvSpPr>
             <a:spLocks noGrp="1"/>
           </p:cNvSpPr>
@@ -1972,11 +1980,11 @@
 </file>
 
 <file path=ppt/slideLayouts/slideLayout7.xml><?xml version="1.0" encoding="utf-8"?>
-<p:sldLayout xmlns:a="http://schemas.openxmlformats.org/drawingml/2006/main" xmlns:r="http://schemas.openxmlformats.org/officeDocument/2006/relationships" xmlns:p14="http://schemas.microsoft.com/office/powerpoint/2010/main" xmlns:a14="http://schemas.microsoft.com/office/drawing/2010/main" xmlns:p15="http://schemas.microsoft.com/office/powerpoint/2012/main" xmlns:p159="http://schemas.microsoft.com/office/powerpoint/2015/09/main" xmlns:p="http://schemas.openxmlformats.org/presentationml/2006/main" type="blank" preserve="1">
+<p:sldLayout xmlns:a="http://schemas.openxmlformats.org/drawingml/2006/main" xmlns:r="http://schemas.openxmlformats.org/officeDocument/2006/relationships" xmlns:m="http://schemas.openxmlformats.org/officeDocument/2006/math" xmlns:w="http://schemas.openxmlformats.org/wordprocessingml/2006/main" xmlns:wp="http://schemas.openxmlformats.org/drawingml/2006/wordprocessingDrawing" xmlns:a14="http://schemas.microsoft.com/office/drawing/2010/main" xmlns:mc="http://schemas.openxmlformats.org/markup-compatibility/2006" xmlns:p14="http://schemas.microsoft.com/office/powerpoint/2010/main" xmlns:p15="http://schemas.microsoft.com/office/powerpoint/2012/main" xmlns:p159="http://schemas.microsoft.com/office/powerpoint/2015/09/main" xmlns:p="http://schemas.openxmlformats.org/presentationml/2006/main" type="blank" preserve="1">
   <p:cSld name="Blank">
     <p:spTree>
       <p:nvGrpSpPr>
-        <p:cNvPr id="1" name=""/>
+        <p:cNvPr id="1" name="" title=""/>
         <p:cNvGrpSpPr/>
         <p:nvPr/>
       </p:nvGrpSpPr>
@@ -1988,7 +1996,7 @@
       </p:grpSpPr>
       <p:sp>
         <p:nvSpPr>
-          <p:cNvPr id="2" name="Date Placeholder 1"/>
+          <p:cNvPr id="2" name="Date Placeholder 1" title=""/>
           <p:cNvSpPr>
             <a:spLocks noGrp="1"/>
           </p:cNvSpPr>
@@ -2001,7 +2009,7 @@
           <a:bodyPr/>
           <a:lstStyle/>
           <a:p>
-            <a:fld id="{3CA1A665-B321-49E1-9A06-659DC1FDED3F}" type="datetimeFigureOut">
+            <a:fld id="{D069FBCB-446F-49FF-ABBE-9EAE44BDDD45}" type="datetimeFigureOut">
               <a:rPr lang="en-US" smtClean="0"/>
               <a:t>11/7/2009</a:t>
             </a:fld>
@@ -2011,7 +2019,7 @@
       </p:sp>
       <p:sp>
         <p:nvSpPr>
-          <p:cNvPr id="3" name="Footer Placeholder 2"/>
+          <p:cNvPr id="3" name="Footer Placeholder 2" title=""/>
           <p:cNvSpPr>
             <a:spLocks noGrp="1"/>
           </p:cNvSpPr>
@@ -2030,7 +2038,7 @@
       </p:sp>
       <p:sp>
         <p:nvSpPr>
-          <p:cNvPr id="4" name="Slide Number Placeholder 3"/>
+          <p:cNvPr id="4" name="Slide Number Placeholder 3" title=""/>
           <p:cNvSpPr>
             <a:spLocks noGrp="1"/>
           </p:cNvSpPr>
@@ -2062,11 +2070,11 @@
 </file>
 
 <file path=ppt/slideLayouts/slideLayout8.xml><?xml version="1.0" encoding="utf-8"?>
-<p:sldLayout xmlns:a="http://schemas.openxmlformats.org/drawingml/2006/main" xmlns:r="http://schemas.openxmlformats.org/officeDocument/2006/relationships" xmlns:p14="http://schemas.microsoft.com/office/powerpoint/2010/main" xmlns:a14="http://schemas.microsoft.com/office/drawing/2010/main" xmlns:p15="http://schemas.microsoft.com/office/powerpoint/2012/main" xmlns:p159="http://schemas.microsoft.com/office/powerpoint/2015/09/main" xmlns:p="http://schemas.openxmlformats.org/presentationml/2006/main" type="objTx" preserve="1">
+<p:sldLayout xmlns:a="http://schemas.openxmlformats.org/drawingml/2006/main" xmlns:r="http://schemas.openxmlformats.org/officeDocument/2006/relationships" xmlns:m="http://schemas.openxmlformats.org/officeDocument/2006/math" xmlns:w="http://schemas.openxmlformats.org/wordprocessingml/2006/main" xmlns:wp="http://schemas.openxmlformats.org/drawingml/2006/wordprocessingDrawing" xmlns:a14="http://schemas.microsoft.com/office/drawing/2010/main" xmlns:mc="http://schemas.openxmlformats.org/markup-compatibility/2006" xmlns:p14="http://schemas.microsoft.com/office/powerpoint/2010/main" xmlns:p15="http://schemas.microsoft.com/office/powerpoint/2012/main" xmlns:p159="http://schemas.microsoft.com/office/powerpoint/2015/09/main" xmlns:p="http://schemas.openxmlformats.org/presentationml/2006/main" type="objTx" preserve="1">
   <p:cSld name="Content with Caption">
     <p:spTree>
       <p:nvGrpSpPr>
-        <p:cNvPr id="1" name=""/>
+        <p:cNvPr id="1" name="" title=""/>
         <p:cNvGrpSpPr/>
         <p:nvPr/>
       </p:nvGrpSpPr>
@@ -2078,7 +2086,7 @@
       </p:grpSpPr>
       <p:sp>
         <p:nvSpPr>
-          <p:cNvPr id="2" name="Title 1"/>
+          <p:cNvPr id="2" name="Title 1" title=""/>
           <p:cNvSpPr>
             <a:spLocks noGrp="1"/>
           </p:cNvSpPr>
@@ -2105,7 +2113,7 @@
       </p:sp>
       <p:sp>
         <p:nvSpPr>
-          <p:cNvPr id="3" name="Content Placeholder 2"/>
+          <p:cNvPr id="3" name="Content Placeholder 2" title=""/>
           <p:cNvSpPr>
             <a:spLocks noGrp="1"/>
           </p:cNvSpPr>
@@ -2184,7 +2192,7 @@
       </p:sp>
       <p:sp>
         <p:nvSpPr>
-          <p:cNvPr id="4" name="Text Placeholder 3"/>
+          <p:cNvPr id="4" name="Text Placeholder 3" title=""/>
           <p:cNvSpPr>
             <a:spLocks noGrp="1"/>
           </p:cNvSpPr>
@@ -2243,7 +2251,7 @@
       </p:sp>
       <p:sp>
         <p:nvSpPr>
-          <p:cNvPr id="5" name="Date Placeholder 4"/>
+          <p:cNvPr id="5" name="Date Placeholder 4" title=""/>
           <p:cNvSpPr>
             <a:spLocks noGrp="1"/>
           </p:cNvSpPr>
@@ -2256,7 +2264,7 @@
           <a:bodyPr/>
           <a:lstStyle/>
           <a:p>
-            <a:fld id="{28B1949B-8B38-4136-AB8A-AFF0A5EB81F1}" type="datetimeFigureOut">
+            <a:fld id="{5E59E507-2E74-4420-B1CC-31AEA6007298}" type="datetimeFigureOut">
               <a:rPr lang="en-US" smtClean="0"/>
               <a:t>11/7/2009</a:t>
             </a:fld>
@@ -2266,7 +2274,7 @@
       </p:sp>
       <p:sp>
         <p:nvSpPr>
-          <p:cNvPr id="6" name="Footer Placeholder 5"/>
+          <p:cNvPr id="6" name="Footer Placeholder 5" title=""/>
           <p:cNvSpPr>
             <a:spLocks noGrp="1"/>
           </p:cNvSpPr>
@@ -2285,7 +2293,7 @@
       </p:sp>
       <p:sp>
         <p:nvSpPr>
-          <p:cNvPr id="7" name="Slide Number Placeholder 6"/>
+          <p:cNvPr id="7" name="Slide Number Placeholder 6" title=""/>
           <p:cNvSpPr>
             <a:spLocks noGrp="1"/>
           </p:cNvSpPr>
@@ -2317,11 +2325,11 @@
 </file>
 
 <file path=ppt/slideLayouts/slideLayout9.xml><?xml version="1.0" encoding="utf-8"?>
-<p:sldLayout xmlns:a="http://schemas.openxmlformats.org/drawingml/2006/main" xmlns:r="http://schemas.openxmlformats.org/officeDocument/2006/relationships" xmlns:p14="http://schemas.microsoft.com/office/powerpoint/2010/main" xmlns:a14="http://schemas.microsoft.com/office/drawing/2010/main" xmlns:p15="http://schemas.microsoft.com/office/powerpoint/2012/main" xmlns:p159="http://schemas.microsoft.com/office/powerpoint/2015/09/main" xmlns:p="http://schemas.openxmlformats.org/presentationml/2006/main" type="picTx" preserve="1">
+<p:sldLayout xmlns:a="http://schemas.openxmlformats.org/drawingml/2006/main" xmlns:r="http://schemas.openxmlformats.org/officeDocument/2006/relationships" xmlns:m="http://schemas.openxmlformats.org/officeDocument/2006/math" xmlns:w="http://schemas.openxmlformats.org/wordprocessingml/2006/main" xmlns:wp="http://schemas.openxmlformats.org/drawingml/2006/wordprocessingDrawing" xmlns:a14="http://schemas.microsoft.com/office/drawing/2010/main" xmlns:mc="http://schemas.openxmlformats.org/markup-compatibility/2006" xmlns:p14="http://schemas.microsoft.com/office/powerpoint/2010/main" xmlns:p15="http://schemas.microsoft.com/office/powerpoint/2012/main" xmlns:p159="http://schemas.microsoft.com/office/powerpoint/2015/09/main" xmlns:p="http://schemas.openxmlformats.org/presentationml/2006/main" type="picTx" preserve="1">
   <p:cSld name="Picture with Caption">
     <p:spTree>
       <p:nvGrpSpPr>
-        <p:cNvPr id="1" name=""/>
+        <p:cNvPr id="1" name="" title=""/>
         <p:cNvGrpSpPr/>
         <p:nvPr/>
       </p:nvGrpSpPr>
@@ -2333,7 +2341,7 @@
       </p:grpSpPr>
       <p:sp>
         <p:nvSpPr>
-          <p:cNvPr id="2" name="Title 1"/>
+          <p:cNvPr id="2" name="Title 1" title=""/>
           <p:cNvSpPr>
             <a:spLocks noGrp="1"/>
           </p:cNvSpPr>
@@ -2360,7 +2368,7 @@
       </p:sp>
       <p:sp>
         <p:nvSpPr>
-          <p:cNvPr id="3" name="Picture Placeholder 2"/>
+          <p:cNvPr id="3" name="Picture Placeholder 2" title=""/>
           <p:cNvSpPr>
             <a:spLocks noGrp="1"/>
           </p:cNvSpPr>
@@ -2416,7 +2424,7 @@
       </p:sp>
       <p:sp>
         <p:nvSpPr>
-          <p:cNvPr id="4" name="Text Placeholder 3"/>
+          <p:cNvPr id="4" name="Text Placeholder 3" title=""/>
           <p:cNvSpPr>
             <a:spLocks noGrp="1"/>
           </p:cNvSpPr>
@@ -2475,7 +2483,7 @@
       </p:sp>
       <p:sp>
         <p:nvSpPr>
-          <p:cNvPr id="5" name="Date Placeholder 4"/>
+          <p:cNvPr id="5" name="Date Placeholder 4" title=""/>
           <p:cNvSpPr>
             <a:spLocks noGrp="1"/>
           </p:cNvSpPr>
@@ -2488,7 +2496,7 @@
           <a:bodyPr/>
           <a:lstStyle/>
           <a:p>
-            <a:fld id="{0B340986-E10A-4732-8EE8-365BEB7670CB}" type="datetimeFigureOut">
+            <a:fld id="{534879F5-AA4A-48A4-BA74-5AAA412891D3}" type="datetimeFigureOut">
               <a:rPr lang="en-US" smtClean="0"/>
               <a:t>11/7/2009</a:t>
             </a:fld>
@@ -2498,7 +2506,7 @@
       </p:sp>
       <p:sp>
         <p:nvSpPr>
-          <p:cNvPr id="6" name="Footer Placeholder 5"/>
+          <p:cNvPr id="6" name="Footer Placeholder 5" title=""/>
           <p:cNvSpPr>
             <a:spLocks noGrp="1"/>
           </p:cNvSpPr>
@@ -2517,7 +2525,7 @@
       </p:sp>
       <p:sp>
         <p:nvSpPr>
-          <p:cNvPr id="7" name="Slide Number Placeholder 6"/>
+          <p:cNvPr id="7" name="Slide Number Placeholder 6" title=""/>
           <p:cNvSpPr>
             <a:spLocks noGrp="1"/>
           </p:cNvSpPr>
@@ -2549,7 +2557,7 @@
 </file>
 
 <file path=ppt/slideMasters/slideMaster1.xml><?xml version="1.0" encoding="utf-8"?>
-<p:sldMaster xmlns:a="http://schemas.openxmlformats.org/drawingml/2006/main" xmlns:r="http://schemas.openxmlformats.org/officeDocument/2006/relationships" xmlns:p14="http://schemas.microsoft.com/office/powerpoint/2010/main" xmlns:a14="http://schemas.microsoft.com/office/drawing/2010/main" xmlns:p15="http://schemas.microsoft.com/office/powerpoint/2012/main" xmlns:p159="http://schemas.microsoft.com/office/powerpoint/2015/09/main" xmlns:p="http://schemas.openxmlformats.org/presentationml/2006/main">
+<p:sldMaster xmlns:a="http://schemas.openxmlformats.org/drawingml/2006/main" xmlns:r="http://schemas.openxmlformats.org/officeDocument/2006/relationships" xmlns:m="http://schemas.openxmlformats.org/officeDocument/2006/math" xmlns:w="http://schemas.openxmlformats.org/wordprocessingml/2006/main" xmlns:wp="http://schemas.openxmlformats.org/drawingml/2006/wordprocessingDrawing" xmlns:a14="http://schemas.microsoft.com/office/drawing/2010/main" xmlns:mc="http://schemas.openxmlformats.org/markup-compatibility/2006" xmlns:p14="http://schemas.microsoft.com/office/powerpoint/2010/main" xmlns:p15="http://schemas.microsoft.com/office/powerpoint/2012/main" xmlns:p159="http://schemas.microsoft.com/office/powerpoint/2015/09/main" xmlns:p="http://schemas.openxmlformats.org/presentationml/2006/main">
   <p:cSld>
     <p:bg>
       <p:bgRef idx="1001">
@@ -2558,7 +2566,7 @@
     </p:bg>
     <p:spTree>
       <p:nvGrpSpPr>
-        <p:cNvPr id="1" name=""/>
+        <p:cNvPr id="1" name="" title=""/>
         <p:cNvGrpSpPr/>
         <p:nvPr/>
       </p:nvGrpSpPr>
@@ -2570,7 +2578,7 @@
       </p:grpSpPr>
       <p:sp>
         <p:nvSpPr>
-          <p:cNvPr id="2" name="Title Placeholder 1"/>
+          <p:cNvPr id="2" name="Title Placeholder 1" title=""/>
           <p:cNvSpPr>
             <a:spLocks noGrp="1"/>
           </p:cNvSpPr>
@@ -2603,7 +2611,7 @@
       </p:sp>
       <p:sp>
         <p:nvSpPr>
-          <p:cNvPr id="3" name="Text Placeholder 2"/>
+          <p:cNvPr id="3" name="Text Placeholder 2" title=""/>
           <p:cNvSpPr>
             <a:spLocks noGrp="1"/>
           </p:cNvSpPr>
@@ -2664,7 +2672,7 @@
       </p:sp>
       <p:sp>
         <p:nvSpPr>
-          <p:cNvPr id="4" name="Date Placeholder 3"/>
+          <p:cNvPr id="4" name="Date Placeholder 3" title=""/>
           <p:cNvSpPr>
             <a:spLocks noGrp="1"/>
           </p:cNvSpPr>
@@ -2705,7 +2713,7 @@
       </p:sp>
       <p:sp>
         <p:nvSpPr>
-          <p:cNvPr id="5" name="Footer Placeholder 4"/>
+          <p:cNvPr id="5" name="Footer Placeholder 4" title=""/>
           <p:cNvSpPr>
             <a:spLocks noGrp="1"/>
           </p:cNvSpPr>
@@ -2742,7 +2750,7 @@
       </p:sp>
       <p:sp>
         <p:nvSpPr>
-          <p:cNvPr id="6" name="Slide Number Placeholder 5"/>
+          <p:cNvPr id="6" name="Slide Number Placeholder 5" title=""/>
           <p:cNvSpPr>
             <a:spLocks noGrp="1"/>
           </p:cNvSpPr>
@@ -3053,11 +3061,11 @@
 </file>
 
 <file path=ppt/slides/slide1.xml><?xml version="1.0" encoding="utf-8"?>
-<p:sld xmlns:a="http://schemas.openxmlformats.org/drawingml/2006/main" xmlns:r="http://schemas.openxmlformats.org/officeDocument/2006/relationships" xmlns:p14="http://schemas.microsoft.com/office/powerpoint/2010/main" xmlns:a14="http://schemas.microsoft.com/office/drawing/2010/main" xmlns:p15="http://schemas.microsoft.com/office/powerpoint/2012/main" xmlns:p159="http://schemas.microsoft.com/office/powerpoint/2015/09/main" xmlns:p="http://schemas.openxmlformats.org/presentationml/2006/main">
+<p:sld xmlns:a="http://schemas.openxmlformats.org/drawingml/2006/main" xmlns:r="http://schemas.openxmlformats.org/officeDocument/2006/relationships" xmlns:m="http://schemas.openxmlformats.org/officeDocument/2006/math" xmlns:w="http://schemas.openxmlformats.org/wordprocessingml/2006/main" xmlns:wp="http://schemas.openxmlformats.org/drawingml/2006/wordprocessingDrawing" xmlns:a14="http://schemas.microsoft.com/office/drawing/2010/main" xmlns:mc="http://schemas.openxmlformats.org/markup-compatibility/2006" xmlns:p14="http://schemas.microsoft.com/office/powerpoint/2010/main" xmlns:p15="http://schemas.microsoft.com/office/powerpoint/2012/main" xmlns:p159="http://schemas.microsoft.com/office/powerpoint/2015/09/main" xmlns:p="http://schemas.openxmlformats.org/presentationml/2006/main">
   <p:cSld name="">
     <p:spTree>
       <p:nvGrpSpPr>
-        <p:cNvPr id="1" name=""/>
+        <p:cNvPr id="1" name="" title=""/>
         <p:cNvGrpSpPr/>
         <p:nvPr/>
       </p:nvGrpSpPr>
@@ -3069,7 +3077,7 @@
       </p:grpSpPr>
       <p:graphicFrame>
         <p:nvGraphicFramePr>
-          <p:cNvPr id="2" name="ChartObject"/>
+          <p:cNvPr id="2" name="ChartObject" title=""/>
           <p:cNvGraphicFramePr/>
           <p:nvPr/>
         </p:nvGraphicFramePr>
@@ -3083,6 +3091,77 @@
           </a:graphicData>
         </a:graphic>
       </p:graphicFrame>
+      <p:sp>
+        <p:nvSpPr>
+          <p:cNvPr id="3" name="TextBox"/>
+          <p:cNvSpPr txBox="1">
+            <a:spLocks noGrp="1" noSelect="1" noRot="1" noMove="1"/>
+          </p:cNvSpPr>
+          <p:nvPr/>
+        </p:nvSpPr>
+        <p:spPr>
+          <a:xfrm>
+            <a:off x="1366520" y="2644140"/>
+            <a:ext cx="6411372" cy="1569660"/>
+          </a:xfrm>
+          <a:prstGeom prst="rect">
+            <a:avLst/>
+          </a:prstGeom>
+          <a:noFill/>
+        </p:spPr>
+        <p:txBody>
+          <a:bodyPr wrap="none" rtlCol="0" anchor="ctr" anchorCtr="1">
+            <a:spAutoFit/>
+          </a:bodyPr>
+          <a:lstStyle>
+            <a:lvl1pPr algn="l">
+              <a:lnSpc>
+                <a:spcPct val="150000"/>
+              </a:lnSpc>
+              <a:spcBef>
+                <a:spcPct val="0"/>
+              </a:spcBef>
+              <a:spcAft>
+                <a:spcPct val="0"/>
+              </a:spcAft>
+              <a:defRPr lang="en-US" sz="3200" b="1" noProof="1" dirty="0">
+                <a:solidFill>
+                  <a:prstClr val="red">
+                    <a:lumOff val="30000"/>
+                    <a:alpha val="40000"/>
+                  </a:prstClr>
+                </a:solidFill>
+                <a:effectLst>
+                  <a:outerShdw blurRad="50800" dist="38100" algn="tr" rotWithShape="0">
+                    <a:prstClr val="black">
+                      <a:alpha val="80000"/>
+                    </a:prstClr>
+                  </a:outerShdw>
+                </a:effectLst>
+                <a:latin typeface="Calibri" pitchFamily="34" charset="0"/>
+              </a:defRPr>
+            </a:lvl1pPr>
+          </a:lstStyle>
+          <a:p>
+            <a:pPr algn="ctr"/>
+            <a:r>
+              <a:t>Evaluation only.</a:t>
+            </a:r>
+          </a:p>
+          <a:p>
+            <a:pPr algn="ctr"/>
+            <a:r>
+              <a:t>Created with Aspose.Slides for .NET 4.0 Client Profile 21.12.</a:t>
+            </a:r>
+          </a:p>
+          <a:p>
+            <a:pPr algn="ctr"/>
+            <a:r>
+              <a:t>Copyright 2004-2021Aspose Pty Ltd.</a:t>
+            </a:r>
+          </a:p>
+        </p:txBody>
+      </p:sp>
     </p:spTree>
   </p:cSld>
   <p:clrMapOvr>
@@ -3096,10 +3175,10 @@
 <file path=ppt/tags/tag1.xml><?xml version="1.0" encoding="utf-8"?>
 <p:tagLst xmlns:p="http://schemas.openxmlformats.org/presentationml/2006/main">
   <p:tag name="AS_NET" val="4.0.30319.42000"/>
-  <p:tag name="AS_OS" val="Microsoft Windows NT 6.2.9200.0"/>
-  <p:tag name="AS_RELEASE_DATE" val="2019.06.14"/>
+  <p:tag name="AS_OS" val="Microsoft Windows NT 6.3.9600.0"/>
+  <p:tag name="AS_RELEASE_DATE" val="2021.12.14"/>
   <p:tag name="AS_TITLE" val="Aspose.Slides for .NET 4.0 Client Profile"/>
-  <p:tag name="AS_VERSION" val="19.6"/>
+  <p:tag name="AS_VERSION" val="21.12"/>
 </p:tagLst>
 </file>
 
